--- a/Таблица Шульте на JavaScript.pptx
+++ b/Таблица Шульте на JavaScript.pptx
@@ -9,7 +9,9 @@
     <p:sldId id="257" r:id="rId3"/>
     <p:sldId id="258" r:id="rId4"/>
     <p:sldId id="260" r:id="rId5"/>
-    <p:sldId id="261" r:id="rId6"/>
+    <p:sldId id="262" r:id="rId6"/>
+    <p:sldId id="263" r:id="rId7"/>
+    <p:sldId id="261" r:id="rId8"/>
   </p:sldIdLst>
   <p:sldSz cx="12192000" cy="6858000"/>
   <p:notesSz cx="6858000" cy="9144000"/>
@@ -108,6 +110,11 @@
       </a:defRPr>
     </a:lvl9pPr>
   </p:defaultTextStyle>
+  <p:extLst>
+    <p:ext uri="{EFAFB233-063F-42B5-8137-9DF3F51BA10A}">
+      <p15:sldGuideLst xmlns:p15="http://schemas.microsoft.com/office/powerpoint/2012/main"/>
+    </p:ext>
+  </p:extLst>
 </p:presentation>
 </file>
 
@@ -5787,7 +5794,12 @@
             <p:ph type="ctrTitle"/>
           </p:nvPr>
         </p:nvSpPr>
-        <p:spPr/>
+        <p:spPr>
+          <a:xfrm>
+            <a:off x="1449010" y="1782698"/>
+            <a:ext cx="7766936" cy="1646302"/>
+          </a:xfrm>
+        </p:spPr>
         <p:txBody>
           <a:bodyPr/>
           <a:lstStyle/>
@@ -5795,15 +5807,7 @@
             <a:pPr algn="ctr"/>
             <a:r>
               <a:rPr lang="ru-RU" dirty="0"/>
-              <a:t>Таблица </a:t>
-            </a:r>
-            <a:r>
-              <a:rPr lang="ru-RU" dirty="0" err="1"/>
-              <a:t>Шульте</a:t>
-            </a:r>
-            <a:r>
-              <a:rPr lang="ru-RU" dirty="0"/>
-              <a:t> на </a:t>
+              <a:t>Таблица Шульте на </a:t>
             </a:r>
             <a:r>
               <a:rPr lang="en-US" dirty="0"/>
@@ -5831,8 +5835,8 @@
         </p:nvSpPr>
         <p:spPr>
           <a:xfrm>
-            <a:off x="0" y="5761101"/>
-            <a:ext cx="7766936" cy="1096899"/>
+            <a:off x="1204686" y="4353215"/>
+            <a:ext cx="6954136" cy="1096899"/>
           </a:xfrm>
         </p:spPr>
         <p:txBody>
@@ -5904,8 +5908,8 @@
         </p:nvSpPr>
         <p:spPr>
           <a:xfrm>
-            <a:off x="1507067" y="0"/>
-            <a:ext cx="7766936" cy="1646302"/>
+            <a:off x="1449010" y="711199"/>
+            <a:ext cx="7766936" cy="1625601"/>
           </a:xfrm>
         </p:spPr>
         <p:txBody>
@@ -5915,15 +5919,7 @@
             <a:pPr algn="ctr"/>
             <a:r>
               <a:rPr lang="ru-RU" dirty="0"/>
-              <a:t>Что такое таблица </a:t>
-            </a:r>
-            <a:r>
-              <a:rPr lang="ru-RU" dirty="0" err="1"/>
-              <a:t>Шульте</a:t>
-            </a:r>
-            <a:r>
-              <a:rPr lang="ru-RU" dirty="0"/>
-              <a:t>?</a:t>
+              <a:t>Что такое таблица Шульте?</a:t>
             </a:r>
           </a:p>
         </p:txBody>
@@ -5946,8 +5942,8 @@
         </p:nvSpPr>
         <p:spPr>
           <a:xfrm>
-            <a:off x="1507067" y="2213544"/>
-            <a:ext cx="8126330" cy="3041035"/>
+            <a:off x="1118646" y="3000683"/>
+            <a:ext cx="5107984" cy="3041035"/>
           </a:xfrm>
         </p:spPr>
         <p:txBody>
@@ -5959,23 +5955,31 @@
             <a:pPr algn="l"/>
             <a:r>
               <a:rPr lang="ru-RU" sz="2400" dirty="0"/>
-              <a:t>Это таблица - квадрат со случайно распределенными числами от 1 до количества ячеек. Она </a:t>
-            </a:r>
-            <a:r>
-              <a:rPr lang="ru-RU" sz="2400" dirty="0" err="1"/>
-              <a:t>используеться</a:t>
+              <a:t>Это таблица – квадрат 5х</a:t>
+            </a:r>
+            <a:r>
+              <a:rPr lang="en-US" sz="2400" dirty="0"/>
+              <a:t>5</a:t>
             </a:r>
             <a:r>
               <a:rPr lang="ru-RU" sz="2400" dirty="0"/>
-              <a:t> для развития внимания и тренировки периферического зрения.</a:t>
+              <a:t> ячеек, в которых случайным образом разбросаны числа от 1 до 25. </a:t>
             </a:r>
           </a:p>
           <a:p>
             <a:pPr algn="l"/>
             <a:r>
               <a:rPr lang="ru-RU" sz="2400" dirty="0"/>
-              <a:t>Испытуемый должен найти все числа по порядку, глядя в центр таблицы.</a:t>
-            </a:r>
+              <a:t>Испытуемый должен найти все числа по порядку, удерживая взгляд на центре таблицы.</a:t>
+            </a:r>
+          </a:p>
+          <a:p>
+            <a:pPr algn="l"/>
+            <a:endParaRPr lang="ru-RU" sz="2400" dirty="0"/>
+          </a:p>
+          <a:p>
+            <a:pPr algn="l"/>
+            <a:endParaRPr lang="ru-RU" sz="2400" dirty="0"/>
           </a:p>
           <a:p>
             <a:pPr algn="l"/>
@@ -5987,6 +5991,36 @@
           </a:p>
         </p:txBody>
       </p:sp>
+      <p:pic>
+        <p:nvPicPr>
+          <p:cNvPr id="4" name="Рисунок 3">
+            <a:extLst>
+              <a:ext uri="{FF2B5EF4-FFF2-40B4-BE49-F238E27FC236}">
+                <a16:creationId xmlns:a16="http://schemas.microsoft.com/office/drawing/2014/main" id="{3769893B-7316-4923-AFA7-FAE4CABD9072}"/>
+              </a:ext>
+            </a:extLst>
+          </p:cNvPr>
+          <p:cNvPicPr>
+            <a:picLocks noChangeAspect="1"/>
+          </p:cNvPicPr>
+          <p:nvPr/>
+        </p:nvPicPr>
+        <p:blipFill>
+          <a:blip r:embed="rId2"/>
+          <a:stretch>
+            <a:fillRect/>
+          </a:stretch>
+        </p:blipFill>
+        <p:spPr>
+          <a:xfrm>
+            <a:off x="6357257" y="2993541"/>
+            <a:ext cx="2713546" cy="2799012"/>
+          </a:xfrm>
+          <a:prstGeom prst="rect">
+            <a:avLst/>
+          </a:prstGeom>
+        </p:spPr>
+      </p:pic>
     </p:spTree>
     <p:extLst>
       <p:ext uri="{BB962C8B-B14F-4D97-AF65-F5344CB8AC3E}">
@@ -6035,7 +6069,7 @@
         </p:nvSpPr>
         <p:spPr>
           <a:xfrm>
-            <a:off x="1713129" y="0"/>
+            <a:off x="1553472" y="548449"/>
             <a:ext cx="7766936" cy="1646302"/>
           </a:xfrm>
         </p:spPr>
@@ -6046,7 +6080,7 @@
             <a:pPr algn="ctr"/>
             <a:r>
               <a:rPr lang="ru-RU" dirty="0"/>
-              <a:t>Чем полезна данная таблица?</a:t>
+              <a:t>Кто придумал, и в чем польза?</a:t>
             </a:r>
           </a:p>
         </p:txBody>
@@ -6069,8 +6103,8 @@
         </p:nvSpPr>
         <p:spPr>
           <a:xfrm>
-            <a:off x="1713129" y="2332101"/>
-            <a:ext cx="7766936" cy="3154299"/>
+            <a:off x="1335314" y="2496457"/>
+            <a:ext cx="8144751" cy="3367314"/>
           </a:xfrm>
         </p:spPr>
         <p:txBody>
@@ -6082,23 +6116,23 @@
             <a:pPr algn="l"/>
             <a:r>
               <a:rPr lang="ru-RU" sz="2400" dirty="0"/>
-              <a:t>Упражнения с таблицами позволяют улучшить периферическое зрение, что важно, например, для скорочтения.</a:t>
+              <a:t>Изначально таблица была разработана немецким психиатром и психотерапевтом Вальтером Шульте как психодиагностическая проба для исследования свойств внимания.</a:t>
             </a:r>
           </a:p>
           <a:p>
             <a:pPr algn="l"/>
+            <a:endParaRPr lang="ru-RU" sz="2400" dirty="0"/>
+          </a:p>
+          <a:p>
+            <a:pPr algn="l"/>
             <a:r>
               <a:rPr lang="ru-RU" sz="2400" dirty="0"/>
-              <a:t>Таблица разработана первоначально как психодиагностическая проба для исследования свойств внимания немецким психиатром и психотерапевтом Вальтером </a:t>
-            </a:r>
-            <a:r>
-              <a:rPr lang="ru-RU" sz="2400" dirty="0" err="1"/>
-              <a:t>Шульте</a:t>
-            </a:r>
-            <a:r>
-              <a:rPr lang="ru-RU" sz="2400" dirty="0"/>
-              <a:t>.</a:t>
-            </a:r>
+              <a:t>Упражнения с таблицами Шульте позволяют улучшить периферическое зрение и развить внимание, что важно, например, для скорочтения.</a:t>
+            </a:r>
+          </a:p>
+          <a:p>
+            <a:pPr algn="l"/>
+            <a:endParaRPr lang="ru-RU" sz="2400" dirty="0"/>
           </a:p>
         </p:txBody>
       </p:sp>
@@ -6184,7 +6218,7 @@
         </p:nvSpPr>
         <p:spPr>
           <a:xfrm>
-            <a:off x="1507067" y="1845625"/>
+            <a:off x="1405467" y="2332101"/>
             <a:ext cx="7766936" cy="1096899"/>
           </a:xfrm>
         </p:spPr>
@@ -6201,11 +6235,11 @@
             </a:r>
             <a:r>
               <a:rPr lang="en-US" sz="2400" dirty="0"/>
-              <a:t>web </a:t>
+              <a:t>web</a:t>
             </a:r>
             <a:r>
               <a:rPr lang="ru-RU" sz="2400" dirty="0"/>
-              <a:t>тренажер и добавил соревновательный момент. </a:t>
+              <a:t>-тренажер и добавил соревновательный момент. </a:t>
             </a:r>
           </a:p>
         </p:txBody>
@@ -6258,8 +6292,8 @@
         </p:nvSpPr>
         <p:spPr>
           <a:xfrm>
-            <a:off x="1507067" y="0"/>
-            <a:ext cx="7766936" cy="1646302"/>
+            <a:off x="768048" y="493485"/>
+            <a:ext cx="9041774" cy="1785258"/>
           </a:xfrm>
         </p:spPr>
         <p:txBody>
@@ -6269,15 +6303,22 @@
             <a:pPr algn="ctr"/>
             <a:r>
               <a:rPr lang="ru-RU" dirty="0"/>
-              <a:t>Если хотите поиграть отсканируйте </a:t>
+              <a:t>Технологии</a:t>
             </a:r>
             <a:r>
               <a:rPr lang="en-US" dirty="0"/>
-              <a:t>QR </a:t>
+              <a:t> </a:t>
             </a:r>
             <a:r>
               <a:rPr lang="ru-RU" dirty="0"/>
-              <a:t>код </a:t>
+              <a:t>и </a:t>
+            </a:r>
+            <a:br>
+              <a:rPr lang="ru-RU" dirty="0"/>
+            </a:br>
+            <a:r>
+              <a:rPr lang="ru-RU" dirty="0"/>
+              <a:t>инструменты</a:t>
             </a:r>
           </a:p>
         </p:txBody>
@@ -6300,50 +6341,276 @@
         </p:nvSpPr>
         <p:spPr>
           <a:xfrm>
-            <a:off x="1507067" y="1845625"/>
-            <a:ext cx="7766936" cy="1096899"/>
+            <a:off x="1494971" y="2564330"/>
+            <a:ext cx="7881258" cy="3444584"/>
           </a:xfrm>
         </p:spPr>
         <p:txBody>
+          <a:bodyPr>
+            <a:normAutofit fontScale="92500"/>
+          </a:bodyPr>
+          <a:lstStyle/>
+          <a:p>
+            <a:pPr marL="342900" indent="-342900" algn="l">
+              <a:buFont typeface="Arial" panose="020B0604020202020204" pitchFamily="34" charset="0"/>
+              <a:buChar char="•"/>
+            </a:pPr>
+            <a:r>
+              <a:rPr lang="en-US" sz="2400" dirty="0"/>
+              <a:t>HTML 5</a:t>
+            </a:r>
+          </a:p>
+          <a:p>
+            <a:pPr marL="342900" indent="-342900" algn="l">
+              <a:buFont typeface="Arial" panose="020B0604020202020204" pitchFamily="34" charset="0"/>
+              <a:buChar char="•"/>
+            </a:pPr>
+            <a:r>
+              <a:rPr lang="en-US" sz="2400" dirty="0"/>
+              <a:t>JavaScript (es6)</a:t>
+            </a:r>
+          </a:p>
+          <a:p>
+            <a:pPr marL="342900" indent="-342900" algn="l">
+              <a:buFont typeface="Arial" panose="020B0604020202020204" pitchFamily="34" charset="0"/>
+              <a:buChar char="•"/>
+            </a:pPr>
+            <a:r>
+              <a:rPr lang="en-US" sz="2400" dirty="0"/>
+              <a:t>CSS 3</a:t>
+            </a:r>
+          </a:p>
+          <a:p>
+            <a:pPr marL="342900" indent="-342900" algn="l">
+              <a:buFont typeface="Arial" panose="020B0604020202020204" pitchFamily="34" charset="0"/>
+              <a:buChar char="•"/>
+            </a:pPr>
+            <a:r>
+              <a:rPr lang="en-US" sz="2400" dirty="0"/>
+              <a:t>Git</a:t>
+            </a:r>
+          </a:p>
+          <a:p>
+            <a:pPr algn="l"/>
+            <a:endParaRPr lang="en-US" sz="800" dirty="0"/>
+          </a:p>
+          <a:p>
+            <a:pPr marL="342900" indent="-342900" algn="l">
+              <a:buFont typeface="Arial" panose="020B0604020202020204" pitchFamily="34" charset="0"/>
+              <a:buChar char="•"/>
+            </a:pPr>
+            <a:r>
+              <a:rPr lang="en-US" sz="2400" dirty="0"/>
+              <a:t>IDE WebStorm</a:t>
+            </a:r>
+            <a:endParaRPr lang="ru-RU" sz="2400" dirty="0"/>
+          </a:p>
+          <a:p>
+            <a:pPr marL="342900" indent="-342900" algn="l">
+              <a:buFont typeface="Arial" panose="020B0604020202020204" pitchFamily="34" charset="0"/>
+              <a:buChar char="•"/>
+            </a:pPr>
+            <a:endParaRPr lang="en-US" sz="2400" dirty="0"/>
+          </a:p>
+          <a:p>
+            <a:pPr algn="l"/>
+            <a:r>
+              <a:rPr lang="ru-RU" sz="2400" dirty="0"/>
+              <a:t>Репозиторий: </a:t>
+            </a:r>
+            <a:r>
+              <a:rPr lang="en-US" sz="2400" dirty="0">
+                <a:hlinkClick r:id="rId2"/>
+              </a:rPr>
+              <a:t>https://github.com/alex-makaroff/shulte</a:t>
+            </a:r>
+            <a:endParaRPr lang="en-US" sz="2400" dirty="0"/>
+          </a:p>
+          <a:p>
+            <a:pPr marL="342900" indent="-342900" algn="l">
+              <a:buFont typeface="Arial" panose="020B0604020202020204" pitchFamily="34" charset="0"/>
+              <a:buChar char="•"/>
+            </a:pPr>
+            <a:endParaRPr lang="ru-RU" sz="2400" dirty="0"/>
+          </a:p>
+        </p:txBody>
+      </p:sp>
+    </p:spTree>
+    <p:extLst>
+      <p:ext uri="{BB962C8B-B14F-4D97-AF65-F5344CB8AC3E}">
+        <p14:creationId xmlns:p14="http://schemas.microsoft.com/office/powerpoint/2010/main" val="3018975697"/>
+      </p:ext>
+    </p:extLst>
+  </p:cSld>
+  <p:clrMapOvr>
+    <a:masterClrMapping/>
+  </p:clrMapOvr>
+</p:sld>
+</file>
+
+<file path=ppt/slides/slide6.xml><?xml version="1.0" encoding="utf-8"?>
+<p:sld xmlns:a="http://schemas.openxmlformats.org/drawingml/2006/main" xmlns:r="http://schemas.openxmlformats.org/officeDocument/2006/relationships" xmlns:p="http://schemas.openxmlformats.org/presentationml/2006/main">
+  <p:cSld>
+    <p:spTree>
+      <p:nvGrpSpPr>
+        <p:cNvPr id="1" name=""/>
+        <p:cNvGrpSpPr/>
+        <p:nvPr/>
+      </p:nvGrpSpPr>
+      <p:grpSpPr>
+        <a:xfrm>
+          <a:off x="0" y="0"/>
+          <a:ext cx="0" cy="0"/>
+          <a:chOff x="0" y="0"/>
+          <a:chExt cx="0" cy="0"/>
+        </a:xfrm>
+      </p:grpSpPr>
+      <p:sp>
+        <p:nvSpPr>
+          <p:cNvPr id="2" name="Заголовок 1">
+            <a:extLst>
+              <a:ext uri="{FF2B5EF4-FFF2-40B4-BE49-F238E27FC236}">
+                <a16:creationId xmlns:a16="http://schemas.microsoft.com/office/drawing/2014/main" id="{0A9EB301-B279-44FC-AD6F-F5F4E5961627}"/>
+              </a:ext>
+            </a:extLst>
+          </p:cNvPr>
+          <p:cNvSpPr>
+            <a:spLocks noGrp="1"/>
+          </p:cNvSpPr>
+          <p:nvPr>
+            <p:ph type="ctrTitle"/>
+          </p:nvPr>
+        </p:nvSpPr>
+        <p:spPr>
+          <a:xfrm>
+            <a:off x="768048" y="493485"/>
+            <a:ext cx="9041774" cy="1074058"/>
+          </a:xfrm>
+        </p:spPr>
+        <p:txBody>
           <a:bodyPr/>
           <a:lstStyle/>
           <a:p>
             <a:pPr algn="ctr"/>
             <a:r>
               <a:rPr lang="ru-RU" dirty="0"/>
-              <a:t>Еще вы можете перейти по ссылке</a:t>
-            </a:r>
-            <a:r>
-              <a:rPr lang="en-US" dirty="0"/>
-              <a:t>:</a:t>
-            </a:r>
-            <a:r>
-              <a:rPr lang="ru-RU" dirty="0"/>
-              <a:t> </a:t>
-            </a:r>
-            <a:r>
-              <a:rPr lang="en-US" dirty="0">
-                <a:solidFill>
-                  <a:schemeClr val="accent1"/>
-                </a:solidFill>
-                <a:hlinkClick r:id="rId2">
-                  <a:extLst>
-                    <a:ext uri="{A12FA001-AC4F-418D-AE19-62706E023703}">
-                      <ahyp:hlinkClr xmlns:ahyp="http://schemas.microsoft.com/office/drawing/2018/hyperlinkcolor" val="tx"/>
-                    </a:ext>
-                  </a:extLst>
-                </a:hlinkClick>
-              </a:rPr>
-              <a:t>http://amak.site/</a:t>
-            </a:r>
-            <a:endParaRPr lang="ru-RU" dirty="0">
-              <a:solidFill>
-                <a:schemeClr val="accent1"/>
-              </a:solidFill>
-            </a:endParaRPr>
-          </a:p>
-        </p:txBody>
-      </p:sp>
+              <a:t>Планы</a:t>
+            </a:r>
+          </a:p>
+        </p:txBody>
+      </p:sp>
+      <p:sp>
+        <p:nvSpPr>
+          <p:cNvPr id="3" name="Подзаголовок 2">
+            <a:extLst>
+              <a:ext uri="{FF2B5EF4-FFF2-40B4-BE49-F238E27FC236}">
+                <a16:creationId xmlns:a16="http://schemas.microsoft.com/office/drawing/2014/main" id="{5FCB51E8-824F-48D2-B97C-6B15DD315D3A}"/>
+              </a:ext>
+            </a:extLst>
+          </p:cNvPr>
+          <p:cNvSpPr>
+            <a:spLocks noGrp="1"/>
+          </p:cNvSpPr>
+          <p:nvPr>
+            <p:ph type="subTitle" idx="1"/>
+          </p:nvPr>
+        </p:nvSpPr>
+        <p:spPr>
+          <a:xfrm>
+            <a:off x="1494971" y="1944914"/>
+            <a:ext cx="7881258" cy="3860800"/>
+          </a:xfrm>
+        </p:spPr>
+        <p:txBody>
+          <a:bodyPr>
+            <a:normAutofit/>
+          </a:bodyPr>
+          <a:lstStyle/>
+          <a:p>
+            <a:pPr marL="342900" indent="-342900" algn="l">
+              <a:buFont typeface="Arial" panose="020B0604020202020204" pitchFamily="34" charset="0"/>
+              <a:buChar char="•"/>
+            </a:pPr>
+            <a:r>
+              <a:rPr lang="ru-RU" sz="2400" dirty="0"/>
+              <a:t>Изменить стили, для отображения и на мобильных устройствах</a:t>
+            </a:r>
+            <a:endParaRPr lang="en-US" sz="2400" dirty="0"/>
+          </a:p>
+          <a:p>
+            <a:pPr marL="342900" indent="-342900" algn="l">
+              <a:buFont typeface="Arial" panose="020B0604020202020204" pitchFamily="34" charset="0"/>
+              <a:buChar char="•"/>
+            </a:pPr>
+            <a:r>
+              <a:rPr lang="ru-RU" sz="2400" dirty="0"/>
+              <a:t>Добавить возможность изменять размеры таблицы</a:t>
+            </a:r>
+            <a:endParaRPr lang="en-US" sz="2400" dirty="0"/>
+          </a:p>
+          <a:p>
+            <a:pPr marL="342900" indent="-342900" algn="l">
+              <a:buFont typeface="Arial" panose="020B0604020202020204" pitchFamily="34" charset="0"/>
+              <a:buChar char="•"/>
+            </a:pPr>
+            <a:r>
+              <a:rPr lang="ru-RU" sz="2400" dirty="0"/>
+              <a:t>Добавить новые режимы: обратный порядок, выбывание найденных чисел и т. п.</a:t>
+            </a:r>
+            <a:endParaRPr lang="en-US" sz="2400" dirty="0"/>
+          </a:p>
+          <a:p>
+            <a:pPr marL="342900" indent="-342900" algn="l">
+              <a:buFont typeface="Arial" panose="020B0604020202020204" pitchFamily="34" charset="0"/>
+              <a:buChar char="•"/>
+            </a:pPr>
+            <a:r>
+              <a:rPr lang="ru-RU" sz="2400" dirty="0"/>
+              <a:t>Сделать сетевую версию для игры в паре на скорость.</a:t>
+            </a:r>
+          </a:p>
+          <a:p>
+            <a:pPr marL="342900" indent="-342900" algn="l">
+              <a:buFont typeface="Arial" panose="020B0604020202020204" pitchFamily="34" charset="0"/>
+              <a:buChar char="•"/>
+            </a:pPr>
+            <a:r>
+              <a:rPr lang="ru-RU" sz="2400" dirty="0"/>
+              <a:t>Добавить английскую версию.</a:t>
+            </a:r>
+          </a:p>
+        </p:txBody>
+      </p:sp>
+    </p:spTree>
+    <p:extLst>
+      <p:ext uri="{BB962C8B-B14F-4D97-AF65-F5344CB8AC3E}">
+        <p14:creationId xmlns:p14="http://schemas.microsoft.com/office/powerpoint/2010/main" val="2840308274"/>
+      </p:ext>
+    </p:extLst>
+  </p:cSld>
+  <p:clrMapOvr>
+    <a:masterClrMapping/>
+  </p:clrMapOvr>
+</p:sld>
+</file>
+
+<file path=ppt/slides/slide7.xml><?xml version="1.0" encoding="utf-8"?>
+<p:sld xmlns:a="http://schemas.openxmlformats.org/drawingml/2006/main" xmlns:r="http://schemas.openxmlformats.org/officeDocument/2006/relationships" xmlns:p="http://schemas.openxmlformats.org/presentationml/2006/main">
+  <p:cSld>
+    <p:spTree>
+      <p:nvGrpSpPr>
+        <p:cNvPr id="1" name=""/>
+        <p:cNvGrpSpPr/>
+        <p:nvPr/>
+      </p:nvGrpSpPr>
+      <p:grpSpPr>
+        <a:xfrm>
+          <a:off x="0" y="0"/>
+          <a:ext cx="0" cy="0"/>
+          <a:chOff x="0" y="0"/>
+          <a:chExt cx="0" cy="0"/>
+        </a:xfrm>
+      </p:grpSpPr>
       <p:pic>
         <p:nvPicPr>
           <p:cNvPr id="2050" name="Picture 2">
@@ -6359,7 +6626,7 @@
           <p:nvPr/>
         </p:nvPicPr>
         <p:blipFill>
-          <a:blip r:embed="rId3">
+          <a:blip r:embed="rId2">
             <a:extLst>
               <a:ext uri="{28A0092B-C50C-407E-A947-70E740481C1C}">
                 <a14:useLocalDpi xmlns:a14="http://schemas.microsoft.com/office/drawing/2010/main" val="0"/>
@@ -6373,7 +6640,7 @@
         </p:blipFill>
         <p:spPr bwMode="auto">
           <a:xfrm>
-            <a:off x="3420067" y="2211142"/>
+            <a:off x="3131296" y="2032434"/>
             <a:ext cx="4286250" cy="4286250"/>
           </a:xfrm>
           <a:prstGeom prst="rect">
@@ -6391,6 +6658,105 @@
           </a:extLst>
         </p:spPr>
       </p:pic>
+      <p:sp>
+        <p:nvSpPr>
+          <p:cNvPr id="3" name="Подзаголовок 2">
+            <a:extLst>
+              <a:ext uri="{FF2B5EF4-FFF2-40B4-BE49-F238E27FC236}">
+                <a16:creationId xmlns:a16="http://schemas.microsoft.com/office/drawing/2014/main" id="{5FCB51E8-824F-48D2-B97C-6B15DD315D3A}"/>
+              </a:ext>
+            </a:extLst>
+          </p:cNvPr>
+          <p:cNvSpPr>
+            <a:spLocks noGrp="1"/>
+          </p:cNvSpPr>
+          <p:nvPr>
+            <p:ph type="subTitle" idx="1"/>
+          </p:nvPr>
+        </p:nvSpPr>
+        <p:spPr>
+          <a:xfrm>
+            <a:off x="2235200" y="6022296"/>
+            <a:ext cx="6010708" cy="592775"/>
+          </a:xfrm>
+        </p:spPr>
+        <p:txBody>
+          <a:bodyPr>
+            <a:noAutofit/>
+          </a:bodyPr>
+          <a:lstStyle/>
+          <a:p>
+            <a:pPr algn="ctr"/>
+            <a:r>
+              <a:rPr lang="ru-RU" sz="2000" dirty="0"/>
+              <a:t>Или перейдите по ссылке</a:t>
+            </a:r>
+            <a:r>
+              <a:rPr lang="en-US" sz="2000" dirty="0"/>
+              <a:t>:</a:t>
+            </a:r>
+            <a:r>
+              <a:rPr lang="ru-RU" sz="2000" dirty="0"/>
+              <a:t> </a:t>
+            </a:r>
+            <a:r>
+              <a:rPr lang="en-US" sz="2000" dirty="0">
+                <a:solidFill>
+                  <a:schemeClr val="tx1"/>
+                </a:solidFill>
+              </a:rPr>
+              <a:t>http://amak.site</a:t>
+            </a:r>
+            <a:endParaRPr lang="ru-RU" sz="2000" dirty="0">
+              <a:solidFill>
+                <a:schemeClr val="tx1"/>
+              </a:solidFill>
+            </a:endParaRPr>
+          </a:p>
+        </p:txBody>
+      </p:sp>
+      <p:sp>
+        <p:nvSpPr>
+          <p:cNvPr id="2" name="Заголовок 1">
+            <a:extLst>
+              <a:ext uri="{FF2B5EF4-FFF2-40B4-BE49-F238E27FC236}">
+                <a16:creationId xmlns:a16="http://schemas.microsoft.com/office/drawing/2014/main" id="{0A9EB301-B279-44FC-AD6F-F5F4E5961627}"/>
+              </a:ext>
+            </a:extLst>
+          </p:cNvPr>
+          <p:cNvSpPr>
+            <a:spLocks noGrp="1"/>
+          </p:cNvSpPr>
+          <p:nvPr>
+            <p:ph type="ctrTitle"/>
+          </p:nvPr>
+        </p:nvSpPr>
+        <p:spPr>
+          <a:xfrm>
+            <a:off x="1390953" y="564840"/>
+            <a:ext cx="7766936" cy="1646302"/>
+          </a:xfrm>
+        </p:spPr>
+        <p:txBody>
+          <a:bodyPr/>
+          <a:lstStyle/>
+          <a:p>
+            <a:pPr algn="ctr"/>
+            <a:r>
+              <a:rPr lang="ru-RU" dirty="0"/>
+              <a:t>Если хотите поиграть отсканируйте </a:t>
+            </a:r>
+            <a:r>
+              <a:rPr lang="en-US" dirty="0"/>
+              <a:t>QR </a:t>
+            </a:r>
+            <a:r>
+              <a:rPr lang="ru-RU" dirty="0"/>
+              <a:t>код </a:t>
+            </a:r>
+          </a:p>
+        </p:txBody>
+      </p:sp>
     </p:spTree>
     <p:extLst>
       <p:ext uri="{BB962C8B-B14F-4D97-AF65-F5344CB8AC3E}">
